--- a/docs/img/rmarkdown_flow.pptx
+++ b/docs/img/rmarkdown_flow.pptx
@@ -6,6 +6,7 @@
   </p:sldMasterIdLst>
   <p:sldIdLst>
     <p:sldId id="256" r:id="rId2"/>
+    <p:sldId id="257" r:id="rId3"/>
   </p:sldIdLst>
   <p:sldSz cx="9906000" cy="9918700"/>
   <p:notesSz cx="6858000" cy="9144000"/>
@@ -104,6 +105,11 @@
       </a:defRPr>
     </a:lvl9pPr>
   </p:defaultTextStyle>
+  <p:extLst>
+    <p:ext uri="{EFAFB233-063F-42B5-8137-9DF3F51BA10A}">
+      <p15:sldGuideLst xmlns:p15="http://schemas.microsoft.com/office/powerpoint/2012/main"/>
+    </p:ext>
+  </p:extLst>
 </p:presentation>
 </file>
 
@@ -4815,6 +4821,532 @@
 </p:sld>
 </file>
 
+<file path=ppt/slides/slide2.xml><?xml version="1.0" encoding="utf-8"?>
+<p:sld xmlns:a="http://schemas.openxmlformats.org/drawingml/2006/main" xmlns:r="http://schemas.openxmlformats.org/officeDocument/2006/relationships" xmlns:p="http://schemas.openxmlformats.org/presentationml/2006/main">
+  <p:cSld>
+    <p:spTree>
+      <p:nvGrpSpPr>
+        <p:cNvPr id="1" name=""/>
+        <p:cNvGrpSpPr/>
+        <p:nvPr/>
+      </p:nvGrpSpPr>
+      <p:grpSpPr>
+        <a:xfrm>
+          <a:off x="0" y="0"/>
+          <a:ext cx="0" cy="0"/>
+          <a:chOff x="0" y="0"/>
+          <a:chExt cx="0" cy="0"/>
+        </a:xfrm>
+      </p:grpSpPr>
+      <p:pic>
+        <p:nvPicPr>
+          <p:cNvPr id="2" name="그림 1">
+            <a:extLst>
+              <a:ext uri="{FF2B5EF4-FFF2-40B4-BE49-F238E27FC236}">
+                <a16:creationId xmlns:a16="http://schemas.microsoft.com/office/drawing/2014/main" id="{AAECFA1C-F89B-E546-8239-91741FCEAD6E}"/>
+              </a:ext>
+            </a:extLst>
+          </p:cNvPr>
+          <p:cNvPicPr>
+            <a:picLocks noChangeAspect="1"/>
+          </p:cNvPicPr>
+          <p:nvPr/>
+        </p:nvPicPr>
+        <p:blipFill>
+          <a:blip r:embed="rId2"/>
+          <a:stretch>
+            <a:fillRect/>
+          </a:stretch>
+        </p:blipFill>
+        <p:spPr>
+          <a:xfrm>
+            <a:off x="506984" y="1465834"/>
+            <a:ext cx="6921858" cy="5447030"/>
+          </a:xfrm>
+          <a:prstGeom prst="rect">
+            <a:avLst/>
+          </a:prstGeom>
+          <a:ln>
+            <a:noFill/>
+          </a:ln>
+        </p:spPr>
+      </p:pic>
+      <p:sp>
+        <p:nvSpPr>
+          <p:cNvPr id="3" name="직사각형 2">
+            <a:extLst>
+              <a:ext uri="{FF2B5EF4-FFF2-40B4-BE49-F238E27FC236}">
+                <a16:creationId xmlns:a16="http://schemas.microsoft.com/office/drawing/2014/main" id="{1F88EAB9-A536-8B4E-B969-7AA1FB957BD5}"/>
+              </a:ext>
+            </a:extLst>
+          </p:cNvPr>
+          <p:cNvSpPr/>
+          <p:nvPr/>
+        </p:nvSpPr>
+        <p:spPr>
+          <a:xfrm>
+            <a:off x="448206" y="1389888"/>
+            <a:ext cx="7014314" cy="1328928"/>
+          </a:xfrm>
+          <a:prstGeom prst="rect">
+            <a:avLst/>
+          </a:prstGeom>
+          <a:noFill/>
+          <a:ln w="76200">
+            <a:solidFill>
+              <a:srgbClr val="00B050"/>
+            </a:solidFill>
+          </a:ln>
+        </p:spPr>
+        <p:style>
+          <a:lnRef idx="2">
+            <a:schemeClr val="accent1">
+              <a:shade val="50000"/>
+            </a:schemeClr>
+          </a:lnRef>
+          <a:fillRef idx="1">
+            <a:schemeClr val="accent1"/>
+          </a:fillRef>
+          <a:effectRef idx="0">
+            <a:schemeClr val="accent1"/>
+          </a:effectRef>
+          <a:fontRef idx="minor">
+            <a:schemeClr val="lt1"/>
+          </a:fontRef>
+        </p:style>
+        <p:txBody>
+          <a:bodyPr rtlCol="0" anchor="ctr"/>
+          <a:lstStyle/>
+          <a:p>
+            <a:pPr algn="ctr"/>
+            <a:endParaRPr kumimoji="1" lang="ko-Kore-KR" altLang="en-US"/>
+          </a:p>
+        </p:txBody>
+      </p:sp>
+      <p:sp>
+        <p:nvSpPr>
+          <p:cNvPr id="40" name="직사각형 39">
+            <a:extLst>
+              <a:ext uri="{FF2B5EF4-FFF2-40B4-BE49-F238E27FC236}">
+                <a16:creationId xmlns:a16="http://schemas.microsoft.com/office/drawing/2014/main" id="{49B926D6-FBA2-EE4B-9CEA-BED4C78BEEC1}"/>
+              </a:ext>
+            </a:extLst>
+          </p:cNvPr>
+          <p:cNvSpPr/>
+          <p:nvPr/>
+        </p:nvSpPr>
+        <p:spPr>
+          <a:xfrm>
+            <a:off x="448206" y="3797808"/>
+            <a:ext cx="7014314" cy="2115312"/>
+          </a:xfrm>
+          <a:prstGeom prst="rect">
+            <a:avLst/>
+          </a:prstGeom>
+          <a:noFill/>
+          <a:ln w="76200">
+            <a:solidFill>
+              <a:schemeClr val="accent5">
+                <a:lumMod val="75000"/>
+              </a:schemeClr>
+            </a:solidFill>
+          </a:ln>
+        </p:spPr>
+        <p:style>
+          <a:lnRef idx="2">
+            <a:schemeClr val="accent1">
+              <a:shade val="50000"/>
+            </a:schemeClr>
+          </a:lnRef>
+          <a:fillRef idx="1">
+            <a:schemeClr val="accent1"/>
+          </a:fillRef>
+          <a:effectRef idx="0">
+            <a:schemeClr val="accent1"/>
+          </a:effectRef>
+          <a:fontRef idx="minor">
+            <a:schemeClr val="lt1"/>
+          </a:fontRef>
+        </p:style>
+        <p:txBody>
+          <a:bodyPr rtlCol="0" anchor="ctr"/>
+          <a:lstStyle/>
+          <a:p>
+            <a:pPr algn="ctr"/>
+            <a:endParaRPr kumimoji="1" lang="ko-Kore-KR" altLang="en-US"/>
+          </a:p>
+        </p:txBody>
+      </p:sp>
+      <p:sp>
+        <p:nvSpPr>
+          <p:cNvPr id="41" name="직사각형 40">
+            <a:extLst>
+              <a:ext uri="{FF2B5EF4-FFF2-40B4-BE49-F238E27FC236}">
+                <a16:creationId xmlns:a16="http://schemas.microsoft.com/office/drawing/2014/main" id="{C9CAA0CD-FA45-6B4D-96DF-8EBFA87B2287}"/>
+              </a:ext>
+            </a:extLst>
+          </p:cNvPr>
+          <p:cNvSpPr/>
+          <p:nvPr/>
+        </p:nvSpPr>
+        <p:spPr>
+          <a:xfrm>
+            <a:off x="448206" y="6071616"/>
+            <a:ext cx="7014314" cy="743712"/>
+          </a:xfrm>
+          <a:prstGeom prst="rect">
+            <a:avLst/>
+          </a:prstGeom>
+          <a:noFill/>
+          <a:ln w="76200">
+            <a:solidFill>
+              <a:srgbClr val="C00000"/>
+            </a:solidFill>
+          </a:ln>
+        </p:spPr>
+        <p:style>
+          <a:lnRef idx="2">
+            <a:schemeClr val="accent1">
+              <a:shade val="50000"/>
+            </a:schemeClr>
+          </a:lnRef>
+          <a:fillRef idx="1">
+            <a:schemeClr val="accent1"/>
+          </a:fillRef>
+          <a:effectRef idx="0">
+            <a:schemeClr val="accent1"/>
+          </a:effectRef>
+          <a:fontRef idx="minor">
+            <a:schemeClr val="lt1"/>
+          </a:fontRef>
+        </p:style>
+        <p:txBody>
+          <a:bodyPr rtlCol="0" anchor="ctr"/>
+          <a:lstStyle/>
+          <a:p>
+            <a:pPr algn="ctr"/>
+            <a:endParaRPr kumimoji="1" lang="ko-Kore-KR" altLang="en-US"/>
+          </a:p>
+        </p:txBody>
+      </p:sp>
+      <p:sp>
+        <p:nvSpPr>
+          <p:cNvPr id="42" name="직사각형 41">
+            <a:extLst>
+              <a:ext uri="{FF2B5EF4-FFF2-40B4-BE49-F238E27FC236}">
+                <a16:creationId xmlns:a16="http://schemas.microsoft.com/office/drawing/2014/main" id="{A534DDD6-4D71-3248-ACA6-DEC062C8EF34}"/>
+              </a:ext>
+            </a:extLst>
+          </p:cNvPr>
+          <p:cNvSpPr/>
+          <p:nvPr/>
+        </p:nvSpPr>
+        <p:spPr>
+          <a:xfrm>
+            <a:off x="448206" y="2877312"/>
+            <a:ext cx="7014314" cy="743712"/>
+          </a:xfrm>
+          <a:prstGeom prst="rect">
+            <a:avLst/>
+          </a:prstGeom>
+          <a:noFill/>
+          <a:ln w="76200">
+            <a:solidFill>
+              <a:srgbClr val="C00000"/>
+            </a:solidFill>
+          </a:ln>
+        </p:spPr>
+        <p:style>
+          <a:lnRef idx="2">
+            <a:schemeClr val="accent1">
+              <a:shade val="50000"/>
+            </a:schemeClr>
+          </a:lnRef>
+          <a:fillRef idx="1">
+            <a:schemeClr val="accent1"/>
+          </a:fillRef>
+          <a:effectRef idx="0">
+            <a:schemeClr val="accent1"/>
+          </a:effectRef>
+          <a:fontRef idx="minor">
+            <a:schemeClr val="lt1"/>
+          </a:fontRef>
+        </p:style>
+        <p:txBody>
+          <a:bodyPr rtlCol="0" anchor="ctr"/>
+          <a:lstStyle/>
+          <a:p>
+            <a:pPr algn="ctr"/>
+            <a:endParaRPr kumimoji="1" lang="ko-Kore-KR" altLang="en-US"/>
+          </a:p>
+        </p:txBody>
+      </p:sp>
+      <p:sp>
+        <p:nvSpPr>
+          <p:cNvPr id="4" name="TextBox 3">
+            <a:extLst>
+              <a:ext uri="{FF2B5EF4-FFF2-40B4-BE49-F238E27FC236}">
+                <a16:creationId xmlns:a16="http://schemas.microsoft.com/office/drawing/2014/main" id="{2CB09F08-77D9-5A49-A5F7-8F99EE038A55}"/>
+              </a:ext>
+            </a:extLst>
+          </p:cNvPr>
+          <p:cNvSpPr txBox="1"/>
+          <p:nvPr/>
+        </p:nvSpPr>
+        <p:spPr>
+          <a:xfrm>
+            <a:off x="7669200" y="1877568"/>
+            <a:ext cx="1268168" cy="369332"/>
+          </a:xfrm>
+          <a:prstGeom prst="rect">
+            <a:avLst/>
+          </a:prstGeom>
+          <a:noFill/>
+        </p:spPr>
+        <p:txBody>
+          <a:bodyPr wrap="none" rtlCol="0">
+            <a:spAutoFit/>
+          </a:bodyPr>
+          <a:lstStyle/>
+          <a:p>
+            <a:r>
+              <a:rPr kumimoji="1" lang="en-US" altLang="ko-Kore-KR" b="1" dirty="0">
+                <a:latin typeface="NanumSquare Bold" panose="020B0600000101010101" pitchFamily="34" charset="-127"/>
+                <a:ea typeface="NanumSquare Bold" panose="020B0600000101010101" pitchFamily="34" charset="-127"/>
+              </a:rPr>
+              <a:t>YAML </a:t>
+            </a:r>
+            <a:r>
+              <a:rPr kumimoji="1" lang="ko-Kore-KR" altLang="en-US" b="1" dirty="0">
+                <a:latin typeface="NanumSquare Bold" panose="020B0600000101010101" pitchFamily="34" charset="-127"/>
+                <a:ea typeface="NanumSquare Bold" panose="020B0600000101010101" pitchFamily="34" charset="-127"/>
+              </a:rPr>
+              <a:t>헤더</a:t>
+            </a:r>
+          </a:p>
+        </p:txBody>
+      </p:sp>
+      <p:sp>
+        <p:nvSpPr>
+          <p:cNvPr id="44" name="TextBox 43">
+            <a:extLst>
+              <a:ext uri="{FF2B5EF4-FFF2-40B4-BE49-F238E27FC236}">
+                <a16:creationId xmlns:a16="http://schemas.microsoft.com/office/drawing/2014/main" id="{EC6979FF-B3D4-3847-9BC1-D749CCA009BA}"/>
+              </a:ext>
+            </a:extLst>
+          </p:cNvPr>
+          <p:cNvSpPr txBox="1"/>
+          <p:nvPr/>
+        </p:nvSpPr>
+        <p:spPr>
+          <a:xfrm>
+            <a:off x="7669200" y="4507722"/>
+            <a:ext cx="1770036" cy="646331"/>
+          </a:xfrm>
+          <a:prstGeom prst="rect">
+            <a:avLst/>
+          </a:prstGeom>
+          <a:noFill/>
+        </p:spPr>
+        <p:txBody>
+          <a:bodyPr wrap="none" rtlCol="0">
+            <a:spAutoFit/>
+          </a:bodyPr>
+          <a:lstStyle/>
+          <a:p>
+            <a:r>
+              <a:rPr kumimoji="1" lang="ko-KR" altLang="en-US" b="1" dirty="0">
+                <a:latin typeface="NanumSquare Bold" panose="020B0600000101010101" pitchFamily="34" charset="-127"/>
+                <a:ea typeface="NanumSquare Bold" panose="020B0600000101010101" pitchFamily="34" charset="-127"/>
+              </a:rPr>
+              <a:t>마크다운 태그를 </a:t>
+            </a:r>
+            <a:endParaRPr kumimoji="1" lang="en-US" altLang="ko-KR" b="1" dirty="0">
+              <a:latin typeface="NanumSquare Bold" panose="020B0600000101010101" pitchFamily="34" charset="-127"/>
+              <a:ea typeface="NanumSquare Bold" panose="020B0600000101010101" pitchFamily="34" charset="-127"/>
+            </a:endParaRPr>
+          </a:p>
+          <a:p>
+            <a:r>
+              <a:rPr kumimoji="1" lang="ko-KR" altLang="en-US" b="1" dirty="0">
+                <a:latin typeface="NanumSquare Bold" panose="020B0600000101010101" pitchFamily="34" charset="-127"/>
+                <a:ea typeface="NanumSquare Bold" panose="020B0600000101010101" pitchFamily="34" charset="-127"/>
+              </a:rPr>
+              <a:t>포함한 텍스트</a:t>
+            </a:r>
+            <a:endParaRPr kumimoji="1" lang="ko-Kore-KR" altLang="en-US" b="1" dirty="0">
+              <a:latin typeface="NanumSquare Bold" panose="020B0600000101010101" pitchFamily="34" charset="-127"/>
+              <a:ea typeface="NanumSquare Bold" panose="020B0600000101010101" pitchFamily="34" charset="-127"/>
+            </a:endParaRPr>
+          </a:p>
+        </p:txBody>
+      </p:sp>
+      <p:sp>
+        <p:nvSpPr>
+          <p:cNvPr id="47" name="TextBox 46">
+            <a:extLst>
+              <a:ext uri="{FF2B5EF4-FFF2-40B4-BE49-F238E27FC236}">
+                <a16:creationId xmlns:a16="http://schemas.microsoft.com/office/drawing/2014/main" id="{215F978D-0D98-0D49-BDB5-0034BFCD40E3}"/>
+              </a:ext>
+            </a:extLst>
+          </p:cNvPr>
+          <p:cNvSpPr txBox="1"/>
+          <p:nvPr/>
+        </p:nvSpPr>
+        <p:spPr>
+          <a:xfrm>
+            <a:off x="7669200" y="2904859"/>
+            <a:ext cx="1837362" cy="646331"/>
+          </a:xfrm>
+          <a:prstGeom prst="rect">
+            <a:avLst/>
+          </a:prstGeom>
+          <a:noFill/>
+        </p:spPr>
+        <p:txBody>
+          <a:bodyPr wrap="none" rtlCol="0">
+            <a:spAutoFit/>
+          </a:bodyPr>
+          <a:lstStyle/>
+          <a:p>
+            <a:r>
+              <a:rPr kumimoji="1" lang="en-US" altLang="ko-Kore-KR" b="1" dirty="0">
+                <a:latin typeface="NanumSquare Bold" panose="020B0600000101010101" pitchFamily="34" charset="-127"/>
+                <a:ea typeface="NanumSquare Bold" panose="020B0600000101010101" pitchFamily="34" charset="-127"/>
+              </a:rPr>
+              <a:t>knitr</a:t>
+            </a:r>
+            <a:r>
+              <a:rPr kumimoji="1" lang="ko-KR" altLang="en-US" b="1" dirty="0">
+                <a:latin typeface="NanumSquare Bold" panose="020B0600000101010101" pitchFamily="34" charset="-127"/>
+                <a:ea typeface="NanumSquare Bold" panose="020B0600000101010101" pitchFamily="34" charset="-127"/>
+              </a:rPr>
+              <a:t> </a:t>
+            </a:r>
+            <a:r>
+              <a:rPr kumimoji="1" lang="en-US" altLang="ko-Kore-KR" b="1" dirty="0">
+                <a:latin typeface="NanumSquare Bold" panose="020B0600000101010101" pitchFamily="34" charset="-127"/>
+                <a:ea typeface="NanumSquare Bold" panose="020B0600000101010101" pitchFamily="34" charset="-127"/>
+              </a:rPr>
+              <a:t>R </a:t>
+            </a:r>
+            <a:r>
+              <a:rPr kumimoji="1" lang="ko-KR" altLang="en-US" b="1" dirty="0">
+                <a:latin typeface="NanumSquare Bold" panose="020B0600000101010101" pitchFamily="34" charset="-127"/>
+                <a:ea typeface="NanumSquare Bold" panose="020B0600000101010101" pitchFamily="34" charset="-127"/>
+              </a:rPr>
+              <a:t>코드 청크</a:t>
+            </a:r>
+            <a:endParaRPr kumimoji="1" lang="en-US" altLang="ko-KR" b="1" dirty="0">
+              <a:latin typeface="NanumSquare Bold" panose="020B0600000101010101" pitchFamily="34" charset="-127"/>
+              <a:ea typeface="NanumSquare Bold" panose="020B0600000101010101" pitchFamily="34" charset="-127"/>
+            </a:endParaRPr>
+          </a:p>
+          <a:p>
+            <a:r>
+              <a:rPr kumimoji="1" lang="en-US" altLang="ko-KR" b="1" dirty="0">
+                <a:latin typeface="NanumSquare Bold" panose="020B0600000101010101" pitchFamily="34" charset="-127"/>
+                <a:ea typeface="NanumSquare Bold" panose="020B0600000101010101" pitchFamily="34" charset="-127"/>
+              </a:rPr>
+              <a:t>(</a:t>
+            </a:r>
+            <a:r>
+              <a:rPr kumimoji="1" lang="ko-KR" altLang="en-US" b="1" dirty="0">
+                <a:latin typeface="NanumSquare Bold" panose="020B0600000101010101" pitchFamily="34" charset="-127"/>
+                <a:ea typeface="NanumSquare Bold" panose="020B0600000101010101" pitchFamily="34" charset="-127"/>
+              </a:rPr>
+              <a:t>청크 옵션 설정</a:t>
+            </a:r>
+            <a:r>
+              <a:rPr kumimoji="1" lang="en-US" altLang="ko-KR" b="1" dirty="0">
+                <a:latin typeface="NanumSquare Bold" panose="020B0600000101010101" pitchFamily="34" charset="-127"/>
+                <a:ea typeface="NanumSquare Bold" panose="020B0600000101010101" pitchFamily="34" charset="-127"/>
+              </a:rPr>
+              <a:t>)</a:t>
+            </a:r>
+            <a:endParaRPr kumimoji="1" lang="ko-Kore-KR" altLang="en-US" b="1" dirty="0">
+              <a:latin typeface="NanumSquare Bold" panose="020B0600000101010101" pitchFamily="34" charset="-127"/>
+              <a:ea typeface="NanumSquare Bold" panose="020B0600000101010101" pitchFamily="34" charset="-127"/>
+            </a:endParaRPr>
+          </a:p>
+        </p:txBody>
+      </p:sp>
+      <p:sp>
+        <p:nvSpPr>
+          <p:cNvPr id="48" name="TextBox 47">
+            <a:extLst>
+              <a:ext uri="{FF2B5EF4-FFF2-40B4-BE49-F238E27FC236}">
+                <a16:creationId xmlns:a16="http://schemas.microsoft.com/office/drawing/2014/main" id="{B80FE2FC-D934-934A-95BD-CC896FF61282}"/>
+              </a:ext>
+            </a:extLst>
+          </p:cNvPr>
+          <p:cNvSpPr txBox="1"/>
+          <p:nvPr/>
+        </p:nvSpPr>
+        <p:spPr>
+          <a:xfrm>
+            <a:off x="7669200" y="6258806"/>
+            <a:ext cx="1837362" cy="369332"/>
+          </a:xfrm>
+          <a:prstGeom prst="rect">
+            <a:avLst/>
+          </a:prstGeom>
+          <a:noFill/>
+        </p:spPr>
+        <p:txBody>
+          <a:bodyPr wrap="none" rtlCol="0">
+            <a:spAutoFit/>
+          </a:bodyPr>
+          <a:lstStyle/>
+          <a:p>
+            <a:r>
+              <a:rPr kumimoji="1" lang="en-US" altLang="ko-Kore-KR" b="1" dirty="0">
+                <a:latin typeface="NanumSquare Bold" panose="020B0600000101010101" pitchFamily="34" charset="-127"/>
+                <a:ea typeface="NanumSquare Bold" panose="020B0600000101010101" pitchFamily="34" charset="-127"/>
+              </a:rPr>
+              <a:t>knitr</a:t>
+            </a:r>
+            <a:r>
+              <a:rPr kumimoji="1" lang="ko-KR" altLang="en-US" b="1" dirty="0">
+                <a:latin typeface="NanumSquare Bold" panose="020B0600000101010101" pitchFamily="34" charset="-127"/>
+                <a:ea typeface="NanumSquare Bold" panose="020B0600000101010101" pitchFamily="34" charset="-127"/>
+              </a:rPr>
+              <a:t> </a:t>
+            </a:r>
+            <a:r>
+              <a:rPr kumimoji="1" lang="en-US" altLang="ko-Kore-KR" b="1" dirty="0">
+                <a:latin typeface="NanumSquare Bold" panose="020B0600000101010101" pitchFamily="34" charset="-127"/>
+                <a:ea typeface="NanumSquare Bold" panose="020B0600000101010101" pitchFamily="34" charset="-127"/>
+              </a:rPr>
+              <a:t>R </a:t>
+            </a:r>
+            <a:r>
+              <a:rPr kumimoji="1" lang="ko-KR" altLang="en-US" b="1" dirty="0">
+                <a:latin typeface="NanumSquare Bold" panose="020B0600000101010101" pitchFamily="34" charset="-127"/>
+                <a:ea typeface="NanumSquare Bold" panose="020B0600000101010101" pitchFamily="34" charset="-127"/>
+              </a:rPr>
+              <a:t>코드 청크</a:t>
+            </a:r>
+            <a:endParaRPr kumimoji="1" lang="en-US" altLang="ko-KR" b="1" dirty="0">
+              <a:latin typeface="NanumSquare Bold" panose="020B0600000101010101" pitchFamily="34" charset="-127"/>
+              <a:ea typeface="NanumSquare Bold" panose="020B0600000101010101" pitchFamily="34" charset="-127"/>
+            </a:endParaRPr>
+          </a:p>
+        </p:txBody>
+      </p:sp>
+    </p:spTree>
+    <p:extLst>
+      <p:ext uri="{BB962C8B-B14F-4D97-AF65-F5344CB8AC3E}">
+        <p14:creationId xmlns:p14="http://schemas.microsoft.com/office/powerpoint/2010/main" val="712017798"/>
+      </p:ext>
+    </p:extLst>
+  </p:cSld>
+  <p:clrMapOvr>
+    <a:masterClrMapping/>
+  </p:clrMapOvr>
+</p:sld>
+</file>
+
 <file path=ppt/theme/theme1.xml><?xml version="1.0" encoding="utf-8"?>
 <a:theme xmlns:a="http://schemas.openxmlformats.org/drawingml/2006/main" name="Office 테마">
   <a:themeElements>
